--- a/WeatherMap.pptx
+++ b/WeatherMap.pptx
@@ -8,8 +8,9 @@
     <p:sldId id="256" r:id="rId2"/>
     <p:sldId id="257" r:id="rId3"/>
     <p:sldId id="258" r:id="rId4"/>
-    <p:sldId id="259" r:id="rId5"/>
-    <p:sldId id="260" r:id="rId6"/>
+    <p:sldId id="261" r:id="rId5"/>
+    <p:sldId id="259" r:id="rId6"/>
+    <p:sldId id="260" r:id="rId7"/>
   </p:sldIdLst>
   <p:sldSz cx="12192000" cy="6858000"/>
   <p:notesSz cx="6858000" cy="9144000"/>
@@ -108,6 +109,11 @@
       </a:defRPr>
     </a:lvl9pPr>
   </p:defaultTextStyle>
+  <p:extLst>
+    <p:ext uri="{EFAFB233-063F-42B5-8137-9DF3F51BA10A}">
+      <p15:sldGuideLst xmlns:p15="http://schemas.microsoft.com/office/powerpoint/2012/main"/>
+    </p:ext>
+  </p:extLst>
 </p:presentation>
 </file>
 
@@ -5980,44 +5986,45 @@
           <a:p>
             <a:pPr lvl="1"/>
             <a:r>
-              <a:rPr lang="en-CA" sz="2000" dirty="0"/>
-              <a:t>Allows user to access to the map of Canada and see directly on the map</a:t>
-            </a:r>
-            <a:br>
-              <a:rPr lang="en-CA" sz="2000" dirty="0"/>
-            </a:br>
-            <a:r>
-              <a:rPr lang="en-CA" sz="2000" dirty="0"/>
-              <a:t>the current weather conditions in each major cities from coast to coast to coast</a:t>
+              <a:rPr lang="en-CA" sz="1800" dirty="0"/>
+              <a:t>Allows user to access to the map of Canada and see directly on the map the current weather conditions in each major cities from coast to coast</a:t>
             </a:r>
           </a:p>
           <a:p>
             <a:pPr lvl="1"/>
             <a:r>
-              <a:rPr lang="en-CA" sz="2000" dirty="0"/>
-              <a:t>Allows user to select a city from the selection box and get the details of the current weather conditions in the selected city in a table format</a:t>
+              <a:rPr lang="en-CA" sz="1800" dirty="0"/>
+              <a:t>Allows user to click a city on the map to get the details of the current weather conditions</a:t>
             </a:r>
           </a:p>
           <a:p>
             <a:pPr lvl="1"/>
             <a:r>
-              <a:rPr lang="en-CA" sz="2000" dirty="0"/>
+              <a:rPr lang="en-CA" sz="1800" dirty="0"/>
+              <a:t>Allows user to select a city from the selection box in order to get the details of the current weather conditions in the selected city in a table format</a:t>
+            </a:r>
+          </a:p>
+          <a:p>
+            <a:pPr lvl="1"/>
+            <a:r>
+              <a:rPr lang="en-CA" sz="1800" dirty="0"/>
               <a:t>Uses two Web API to access map and weather JSON data</a:t>
             </a:r>
           </a:p>
           <a:p>
             <a:pPr lvl="2"/>
             <a:r>
-              <a:rPr lang="en-CA" sz="2000" dirty="0"/>
+              <a:rPr lang="en-CA" sz="1800" dirty="0"/>
               <a:t>Bing Map Web API</a:t>
             </a:r>
           </a:p>
           <a:p>
             <a:pPr lvl="2"/>
             <a:r>
-              <a:rPr lang="en-CA" sz="2000" dirty="0"/>
+              <a:rPr lang="en-CA" sz="1800" dirty="0"/>
               <a:t>Open Weather Map Web API</a:t>
             </a:r>
+            <a:endParaRPr lang="en-CA" sz="2000" dirty="0"/>
           </a:p>
         </p:txBody>
       </p:sp>
@@ -6075,7 +6082,7 @@
             <a:pPr algn="ctr"/>
             <a:r>
               <a:rPr lang="en-CA" dirty="0"/>
-              <a:t>Bing Map Web API</a:t>
+              <a:t>Bing Maps APIs</a:t>
             </a:r>
           </a:p>
         </p:txBody>
@@ -6100,6 +6107,27 @@
         <p:txBody>
           <a:bodyPr/>
           <a:lstStyle/>
+          <a:p>
+            <a:r>
+              <a:rPr lang="en-CA" dirty="0"/>
+              <a:t>Bing Map API provides service that we can use to add Bing Maps or geospatial services to our application.</a:t>
+            </a:r>
+          </a:p>
+          <a:p>
+            <a:r>
+              <a:rPr lang="en-CA" dirty="0"/>
+              <a:t>Bing Maps V8 Web Control is the latest Bing Maps JavaScript API. Combine the AJAX map control with the Bing Maps REST Services and the Bing Spatial Data Services to create powerful Web sites and mobile applications with the latest imagery and location functionality.</a:t>
+            </a:r>
+          </a:p>
+          <a:p>
+            <a:r>
+              <a:rPr lang="en-CA" dirty="0"/>
+              <a:t>Bing Maps REST Services uses REST URLs to perform tasks such as crating a map with pushpins, geocoding an address, retrieving imagery metadata or calculating a route.</a:t>
+            </a:r>
+          </a:p>
+          <a:p>
+            <a:endParaRPr lang="en-CA" dirty="0"/>
+          </a:p>
           <a:p>
             <a:endParaRPr lang="en-CA" dirty="0"/>
           </a:p>
@@ -6135,6 +6163,96 @@
           <a:chExt cx="0" cy="0"/>
         </a:xfrm>
       </p:grpSpPr>
+      <p:pic>
+        <p:nvPicPr>
+          <p:cNvPr id="3" name="Picture 2">
+            <a:extLst>
+              <a:ext uri="{FF2B5EF4-FFF2-40B4-BE49-F238E27FC236}">
+                <a16:creationId xmlns:a16="http://schemas.microsoft.com/office/drawing/2014/main" id="{057EAF10-0086-4B99-80D4-8C38E295220E}"/>
+              </a:ext>
+            </a:extLst>
+          </p:cNvPr>
+          <p:cNvPicPr>
+            <a:picLocks noChangeAspect="1"/>
+          </p:cNvPicPr>
+          <p:nvPr/>
+        </p:nvPicPr>
+        <p:blipFill>
+          <a:blip r:embed="rId2"/>
+          <a:stretch>
+            <a:fillRect/>
+          </a:stretch>
+        </p:blipFill>
+        <p:spPr>
+          <a:xfrm>
+            <a:off x="5842704" y="412121"/>
+            <a:ext cx="4686706" cy="6149873"/>
+          </a:xfrm>
+          <a:prstGeom prst="rect">
+            <a:avLst/>
+          </a:prstGeom>
+        </p:spPr>
+      </p:pic>
+      <p:pic>
+        <p:nvPicPr>
+          <p:cNvPr id="5" name="Picture 4">
+            <a:extLst>
+              <a:ext uri="{FF2B5EF4-FFF2-40B4-BE49-F238E27FC236}">
+                <a16:creationId xmlns:a16="http://schemas.microsoft.com/office/drawing/2014/main" id="{95C6A6EA-F561-413B-9A5E-BEF7941EE3DA}"/>
+              </a:ext>
+            </a:extLst>
+          </p:cNvPr>
+          <p:cNvPicPr>
+            <a:picLocks noChangeAspect="1"/>
+          </p:cNvPicPr>
+          <p:nvPr/>
+        </p:nvPicPr>
+        <p:blipFill>
+          <a:blip r:embed="rId3"/>
+          <a:stretch>
+            <a:fillRect/>
+          </a:stretch>
+        </p:blipFill>
+        <p:spPr>
+          <a:xfrm>
+            <a:off x="1154591" y="1703892"/>
+            <a:ext cx="3398815" cy="3109229"/>
+          </a:xfrm>
+          <a:prstGeom prst="rect">
+            <a:avLst/>
+          </a:prstGeom>
+        </p:spPr>
+      </p:pic>
+    </p:spTree>
+    <p:extLst>
+      <p:ext uri="{BB962C8B-B14F-4D97-AF65-F5344CB8AC3E}">
+        <p14:creationId xmlns:p14="http://schemas.microsoft.com/office/powerpoint/2010/main" val="2342477737"/>
+      </p:ext>
+    </p:extLst>
+  </p:cSld>
+  <p:clrMapOvr>
+    <a:masterClrMapping/>
+  </p:clrMapOvr>
+</p:sld>
+</file>
+
+<file path=ppt/slides/slide5.xml><?xml version="1.0" encoding="utf-8"?>
+<p:sld xmlns:a="http://schemas.openxmlformats.org/drawingml/2006/main" xmlns:r="http://schemas.openxmlformats.org/officeDocument/2006/relationships" xmlns:p="http://schemas.openxmlformats.org/presentationml/2006/main">
+  <p:cSld>
+    <p:spTree>
+      <p:nvGrpSpPr>
+        <p:cNvPr id="1" name=""/>
+        <p:cNvGrpSpPr/>
+        <p:nvPr/>
+      </p:nvGrpSpPr>
+      <p:grpSpPr>
+        <a:xfrm>
+          <a:off x="0" y="0"/>
+          <a:ext cx="0" cy="0"/>
+          <a:chOff x="0" y="0"/>
+          <a:chExt cx="0" cy="0"/>
+        </a:xfrm>
+      </p:grpSpPr>
       <p:sp>
         <p:nvSpPr>
           <p:cNvPr id="2" name="Title 1">
@@ -6354,7 +6472,7 @@
 </p:sld>
 </file>
 
-<file path=ppt/slides/slide5.xml><?xml version="1.0" encoding="utf-8"?>
+<file path=ppt/slides/slide6.xml><?xml version="1.0" encoding="utf-8"?>
 <p:sld xmlns:a="http://schemas.openxmlformats.org/drawingml/2006/main" xmlns:r="http://schemas.openxmlformats.org/officeDocument/2006/relationships" xmlns:p="http://schemas.openxmlformats.org/presentationml/2006/main">
   <p:cSld>
     <p:spTree>

--- a/WeatherMap.pptx
+++ b/WeatherMap.pptx
@@ -108,6 +108,11 @@
       </a:defRPr>
     </a:lvl9pPr>
   </p:defaultTextStyle>
+  <p:extLst>
+    <p:ext uri="{EFAFB233-063F-42B5-8137-9DF3F51BA10A}">
+      <p15:sldGuideLst xmlns:p15="http://schemas.microsoft.com/office/powerpoint/2012/main"/>
+    </p:ext>
+  </p:extLst>
 </p:presentation>
 </file>
 
@@ -5981,14 +5986,7 @@
             <a:pPr lvl="1"/>
             <a:r>
               <a:rPr lang="en-CA" sz="2000" dirty="0"/>
-              <a:t>Allows user to access to the map of Canada and see directly on the map</a:t>
-            </a:r>
-            <a:br>
-              <a:rPr lang="en-CA" sz="2000" dirty="0"/>
-            </a:br>
-            <a:r>
-              <a:rPr lang="en-CA" sz="2000" dirty="0"/>
-              <a:t>the current weather conditions in each major cities from coast to coast to coast</a:t>
+              <a:t>Allows user to access to the map of Canada and see directly on the map the current weather conditions in each major cities of the country from coast to coast to coast</a:t>
             </a:r>
           </a:p>
           <a:p>
@@ -6266,7 +6264,7 @@
           <a:p>
             <a:r>
               <a:rPr lang="en-CA" sz="2000" dirty="0"/>
-              <a:t>Converted Unix timestamps to human readable time in PHP</a:t>
+              <a:t>Converted Unix timestamps to human readable timestamps in PHP</a:t>
             </a:r>
           </a:p>
           <a:p>
@@ -6734,7 +6732,7 @@
                 <a:effectLst/>
                 <a:latin typeface="Menlo"/>
               </a:rPr>
-              <a:t>"name":"</a:t>
+              <a:t>"</a:t>
             </a:r>
             <a:r>
               <a:rPr kumimoji="0" lang="en-US" altLang="en-US" b="0" i="0" u="none" strike="noStrike" cap="none" normalizeH="0" dirty="0" err="1">
@@ -6747,7 +6745,7 @@
                 <a:effectLst/>
                 <a:latin typeface="Menlo"/>
               </a:rPr>
-              <a:t>Shuzenji</a:t>
+              <a:t>name":“Montreal</a:t>
             </a:r>
             <a:r>
               <a:rPr kumimoji="0" lang="en-US" altLang="en-US" b="0" i="0" u="none" strike="noStrike" cap="none" normalizeH="0" dirty="0">

--- a/WeatherMap.pptx
+++ b/WeatherMap.pptx
@@ -6215,7 +6215,7 @@
         </p:blipFill>
         <p:spPr>
           <a:xfrm>
-            <a:off x="1154591" y="1703892"/>
+            <a:off x="1187483" y="1822304"/>
             <a:ext cx="3398815" cy="3109229"/>
           </a:xfrm>
           <a:prstGeom prst="rect">

--- a/WeatherMap.pptx
+++ b/WeatherMap.pptx
@@ -6122,7 +6122,7 @@
           <a:p>
             <a:r>
               <a:rPr lang="en-CA" dirty="0"/>
-              <a:t>Bing Maps REST Services uses REST URLs to perform tasks such as crating a map with pushpins, geocoding an address, retrieving imagery metadata or calculating a route.</a:t>
+              <a:t>Bing Maps REST Services uses REST URLs to perform tasks such as creating a map with pushpins, geocoding an address, retrieving imagery metadata or calculating a route.</a:t>
             </a:r>
           </a:p>
           <a:p>

--- a/WeatherMap.pptx
+++ b/WeatherMap.pptx
@@ -5964,8 +5964,8 @@
         </p:nvSpPr>
         <p:spPr>
           <a:xfrm>
-            <a:off x="677334" y="2160589"/>
-            <a:ext cx="8596668" cy="4194029"/>
+            <a:off x="677334" y="1552507"/>
+            <a:ext cx="8596668" cy="4802112"/>
           </a:xfrm>
         </p:spPr>
         <p:txBody>
@@ -5995,6 +5995,13 @@
             <a:r>
               <a:rPr lang="en-CA" sz="1800" dirty="0"/>
               <a:t>Allows user to click a city on the map to get the details of the current weather conditions</a:t>
+            </a:r>
+          </a:p>
+          <a:p>
+            <a:pPr lvl="1"/>
+            <a:r>
+              <a:rPr lang="en-CA" sz="1800" dirty="0"/>
+              <a:t>Allows user to click mouse right button on the map and get the details of the current weather condition of the location clicked</a:t>
             </a:r>
           </a:p>
           <a:p>
@@ -6115,14 +6122,30 @@
           </a:p>
           <a:p>
             <a:r>
+              <a:rPr lang="en-CA" dirty="0">
+                <a:solidFill>
+                  <a:srgbClr val="FF0000"/>
+                </a:solidFill>
+              </a:rPr>
+              <a:t>Bing Maps V8 Web Control </a:t>
+            </a:r>
+            <a:r>
               <a:rPr lang="en-CA" dirty="0"/>
-              <a:t>Bing Maps V8 Web Control is the latest Bing Maps JavaScript API. Combine the AJAX map control with the Bing Maps REST Services and the Bing Spatial Data Services to create powerful Web sites and mobile applications with the latest imagery and location functionality.</a:t>
-            </a:r>
-          </a:p>
-          <a:p>
+              <a:t>is the latest Bing Maps JavaScript API. Combine the AJAX map control with the Bing Maps REST Services and the Bing Spatial Data Services to create powerful Web sites and mobile applications with the latest imagery and location functionality.</a:t>
+            </a:r>
+          </a:p>
+          <a:p>
+            <a:r>
+              <a:rPr lang="en-CA" dirty="0">
+                <a:solidFill>
+                  <a:srgbClr val="FF0000"/>
+                </a:solidFill>
+              </a:rPr>
+              <a:t>Bing Maps REST Services </a:t>
+            </a:r>
             <a:r>
               <a:rPr lang="en-CA" dirty="0"/>
-              <a:t>Bing Maps REST Services uses REST URLs to perform tasks such as creating a map with pushpins, geocoding an address, retrieving imagery metadata or calculating a route.</a:t>
+              <a:t>uses REST URLs to perform tasks such as creating a map with pushpins, geocoding an address, retrieving imagery metadata or calculating a route.</a:t>
             </a:r>
           </a:p>
           <a:p>
